--- a/1.0/presentation.pptx
+++ b/1.0/presentation.pptx
@@ -111,6 +111,11 @@
       </a:defRPr>
     </a:lvl9pPr>
   </p:defaultTextStyle>
+  <p:extLst>
+    <p:ext uri="{EFAFB233-063F-42B5-8137-9DF3F51BA10A}">
+      <p15:sldGuideLst xmlns:p15="http://schemas.microsoft.com/office/powerpoint/2012/main"/>
+    </p:ext>
+  </p:extLst>
 </p:presentation>
 </file>
 
@@ -6428,8 +6433,12 @@
               <a:t>sql</a:t>
             </a:r>
             <a:r>
+              <a:rPr lang="en-US"/>
+              <a:t>-meetup/1.0 </a:t>
+            </a:r>
+            <a:r>
               <a:rPr lang="en-US" dirty="0"/>
-              <a:t>-meetup &amp;&amp; docker-compose up</a:t>
+              <a:t>&amp;&amp; docker-compose up</a:t>
             </a:r>
             <a:r>
               <a:rPr lang="ru-RU" dirty="0"/>
